--- a/Chapter1_Intro/Einleitung.pptx
+++ b/Chapter1_Intro/Einleitung.pptx
@@ -5,37 +5,38 @@
     <p:sldMasterId id="2147483661" r:id="rId1"/>
   </p:sldMasterIdLst>
   <p:notesMasterIdLst>
-    <p:notesMasterId r:id="rId6"/>
+    <p:notesMasterId r:id="rId7"/>
   </p:notesMasterIdLst>
   <p:sldIdLst>
     <p:sldId id="256" r:id="rId2"/>
-    <p:sldId id="259" r:id="rId3"/>
-    <p:sldId id="282" r:id="rId4"/>
-    <p:sldId id="283" r:id="rId5"/>
+    <p:sldId id="282" r:id="rId3"/>
+    <p:sldId id="284" r:id="rId4"/>
+    <p:sldId id="285" r:id="rId5"/>
+    <p:sldId id="283" r:id="rId6"/>
   </p:sldIdLst>
   <p:sldSz cx="9144000" cy="5143500" type="screen16x9"/>
   <p:notesSz cx="6858000" cy="9144000"/>
   <p:embeddedFontLst>
     <p:embeddedFont>
       <p:font typeface="Calibri" panose="020F0502020204030204" pitchFamily="34" charset="0"/>
-      <p:regular r:id="rId7"/>
-      <p:bold r:id="rId8"/>
-      <p:italic r:id="rId9"/>
-      <p:boldItalic r:id="rId10"/>
+      <p:regular r:id="rId8"/>
+      <p:bold r:id="rId9"/>
+      <p:italic r:id="rId10"/>
+      <p:boldItalic r:id="rId11"/>
     </p:embeddedFont>
     <p:embeddedFont>
       <p:font typeface="Georgia" panose="02040502050405020303" pitchFamily="18" charset="0"/>
-      <p:regular r:id="rId11"/>
-      <p:bold r:id="rId12"/>
-      <p:italic r:id="rId13"/>
-      <p:boldItalic r:id="rId14"/>
+      <p:regular r:id="rId12"/>
+      <p:bold r:id="rId13"/>
+      <p:italic r:id="rId14"/>
+      <p:boldItalic r:id="rId15"/>
     </p:embeddedFont>
     <p:embeddedFont>
       <p:font typeface="Nunito Sans" panose="020B0604020202020204" charset="0"/>
-      <p:regular r:id="rId15"/>
-      <p:bold r:id="rId16"/>
-      <p:italic r:id="rId17"/>
-      <p:boldItalic r:id="rId18"/>
+      <p:regular r:id="rId16"/>
+      <p:bold r:id="rId17"/>
+      <p:italic r:id="rId18"/>
+      <p:boldItalic r:id="rId19"/>
     </p:embeddedFont>
   </p:embeddedFontLst>
   <p:defaultTextStyle>
@@ -823,7 +824,7 @@
   <p:cSld>
     <p:spTree>
       <p:nvGrpSpPr>
-        <p:cNvPr id="1" name="Shape 117"/>
+        <p:cNvPr id="1" name="Shape 109"/>
         <p:cNvGrpSpPr/>
         <p:nvPr/>
       </p:nvGrpSpPr>
@@ -837,7 +838,7 @@
       </p:grpSpPr>
       <p:sp>
         <p:nvSpPr>
-          <p:cNvPr id="118" name="Shape 118"/>
+          <p:cNvPr id="110" name="Shape 110"/>
           <p:cNvSpPr>
             <a:spLocks noGrp="1" noRot="1" noChangeAspect="1"/>
           </p:cNvSpPr>
@@ -878,7 +879,7 @@
       </p:sp>
       <p:sp>
         <p:nvSpPr>
-          <p:cNvPr id="119" name="Shape 119"/>
+          <p:cNvPr id="111" name="Shape 111"/>
           <p:cNvSpPr txBox="1">
             <a:spLocks noGrp="1"/>
           </p:cNvSpPr>
@@ -915,6 +916,11 @@
         </p:txBody>
       </p:sp>
     </p:spTree>
+    <p:extLst>
+      <p:ext uri="{BB962C8B-B14F-4D97-AF65-F5344CB8AC3E}">
+        <p14:creationId xmlns:p14="http://schemas.microsoft.com/office/powerpoint/2010/main" val="875969057"/>
+      </p:ext>
+    </p:extLst>
   </p:cSld>
   <p:clrMapOvr>
     <a:masterClrMapping/>
@@ -1021,7 +1027,7 @@
     </p:spTree>
     <p:extLst>
       <p:ext uri="{BB962C8B-B14F-4D97-AF65-F5344CB8AC3E}">
-        <p14:creationId xmlns:p14="http://schemas.microsoft.com/office/powerpoint/2010/main" val="875969057"/>
+        <p14:creationId xmlns:p14="http://schemas.microsoft.com/office/powerpoint/2010/main" val="2456527684"/>
       </p:ext>
     </p:extLst>
   </p:cSld>
@@ -1130,6 +1136,115 @@
     </p:spTree>
     <p:extLst>
       <p:ext uri="{BB962C8B-B14F-4D97-AF65-F5344CB8AC3E}">
+        <p14:creationId xmlns:p14="http://schemas.microsoft.com/office/powerpoint/2010/main" val="726474896"/>
+      </p:ext>
+    </p:extLst>
+  </p:cSld>
+  <p:clrMapOvr>
+    <a:masterClrMapping/>
+  </p:clrMapOvr>
+</p:notes>
+</file>
+
+<file path=ppt/notesSlides/notesSlide5.xml><?xml version="1.0" encoding="utf-8"?>
+<p:notes xmlns:a="http://schemas.openxmlformats.org/drawingml/2006/main" xmlns:r="http://schemas.openxmlformats.org/officeDocument/2006/relationships" xmlns:p="http://schemas.openxmlformats.org/presentationml/2006/main" showMasterSp="0" showMasterPhAnim="0">
+  <p:cSld>
+    <p:spTree>
+      <p:nvGrpSpPr>
+        <p:cNvPr id="1" name="Shape 109"/>
+        <p:cNvGrpSpPr/>
+        <p:nvPr/>
+      </p:nvGrpSpPr>
+      <p:grpSpPr>
+        <a:xfrm>
+          <a:off x="0" y="0"/>
+          <a:ext cx="0" cy="0"/>
+          <a:chOff x="0" y="0"/>
+          <a:chExt cx="0" cy="0"/>
+        </a:xfrm>
+      </p:grpSpPr>
+      <p:sp>
+        <p:nvSpPr>
+          <p:cNvPr id="110" name="Shape 110"/>
+          <p:cNvSpPr>
+            <a:spLocks noGrp="1" noRot="1" noChangeAspect="1"/>
+          </p:cNvSpPr>
+          <p:nvPr>
+            <p:ph type="sldImg" idx="2"/>
+          </p:nvPr>
+        </p:nvSpPr>
+        <p:spPr>
+          <a:xfrm>
+            <a:off x="381000" y="685800"/>
+            <a:ext cx="6096000" cy="3429000"/>
+          </a:xfrm>
+          <a:custGeom>
+            <a:avLst/>
+            <a:gdLst/>
+            <a:ahLst/>
+            <a:cxnLst/>
+            <a:rect l="0" t="0" r="0" b="0"/>
+            <a:pathLst>
+              <a:path w="120000" h="120000" extrusionOk="0">
+                <a:moveTo>
+                  <a:pt x="0" y="0"/>
+                </a:moveTo>
+                <a:lnTo>
+                  <a:pt x="120000" y="0"/>
+                </a:lnTo>
+                <a:lnTo>
+                  <a:pt x="120000" y="120000"/>
+                </a:lnTo>
+                <a:lnTo>
+                  <a:pt x="0" y="120000"/>
+                </a:lnTo>
+                <a:close/>
+              </a:path>
+            </a:pathLst>
+          </a:custGeom>
+        </p:spPr>
+      </p:sp>
+      <p:sp>
+        <p:nvSpPr>
+          <p:cNvPr id="111" name="Shape 111"/>
+          <p:cNvSpPr txBox="1">
+            <a:spLocks noGrp="1"/>
+          </p:cNvSpPr>
+          <p:nvPr>
+            <p:ph type="body" idx="1"/>
+          </p:nvPr>
+        </p:nvSpPr>
+        <p:spPr>
+          <a:xfrm>
+            <a:off x="685800" y="4343400"/>
+            <a:ext cx="5486400" cy="4114800"/>
+          </a:xfrm>
+          <a:prstGeom prst="rect">
+            <a:avLst/>
+          </a:prstGeom>
+        </p:spPr>
+        <p:txBody>
+          <a:bodyPr spcFirstLastPara="1" wrap="square" lIns="91425" tIns="91425" rIns="91425" bIns="91425" anchor="t" anchorCtr="0">
+            <a:noAutofit/>
+          </a:bodyPr>
+          <a:lstStyle/>
+          <a:p>
+            <a:pPr marL="0" lvl="0" indent="0">
+              <a:spcBef>
+                <a:spcPts val="0"/>
+              </a:spcBef>
+              <a:spcAft>
+                <a:spcPts val="0"/>
+              </a:spcAft>
+              <a:buNone/>
+            </a:pPr>
+            <a:endParaRPr/>
+          </a:p>
+        </p:txBody>
+      </p:sp>
+    </p:spTree>
+    <p:extLst>
+      <p:ext uri="{BB962C8B-B14F-4D97-AF65-F5344CB8AC3E}">
         <p14:creationId xmlns:p14="http://schemas.microsoft.com/office/powerpoint/2010/main" val="942750366"/>
       </p:ext>
     </p:extLst>
@@ -1456,749 +1571,6 @@
 </file>
 
 <file path=ppt/slideLayouts/slideLayout2.xml><?xml version="1.0" encoding="utf-8"?>
-<p:sldLayout xmlns:a="http://schemas.openxmlformats.org/drawingml/2006/main" xmlns:r="http://schemas.openxmlformats.org/officeDocument/2006/relationships" xmlns:p="http://schemas.openxmlformats.org/presentationml/2006/main" matchingName="Table of contents">
-  <p:cSld name="TITLE_1_2">
-    <p:spTree>
-      <p:nvGrpSpPr>
-        <p:cNvPr id="1" name="Shape 19"/>
-        <p:cNvGrpSpPr/>
-        <p:nvPr/>
-      </p:nvGrpSpPr>
-      <p:grpSpPr>
-        <a:xfrm>
-          <a:off x="0" y="0"/>
-          <a:ext cx="0" cy="0"/>
-          <a:chOff x="0" y="0"/>
-          <a:chExt cx="0" cy="0"/>
-        </a:xfrm>
-      </p:grpSpPr>
-      <p:sp>
-        <p:nvSpPr>
-          <p:cNvPr id="20" name="Shape 20"/>
-          <p:cNvSpPr/>
-          <p:nvPr/>
-        </p:nvSpPr>
-        <p:spPr>
-          <a:xfrm flipH="1">
-            <a:off x="4568412" y="0"/>
-            <a:ext cx="4575600" cy="5143500"/>
-          </a:xfrm>
-          <a:prstGeom prst="rect">
-            <a:avLst/>
-          </a:prstGeom>
-          <a:solidFill>
-            <a:srgbClr val="FFFFFF"/>
-          </a:solidFill>
-          <a:ln>
-            <a:noFill/>
-          </a:ln>
-        </p:spPr>
-        <p:txBody>
-          <a:bodyPr spcFirstLastPara="1" wrap="square" lIns="91425" tIns="91425" rIns="91425" bIns="91425" anchor="ctr" anchorCtr="0">
-            <a:noAutofit/>
-          </a:bodyPr>
-          <a:lstStyle/>
-          <a:p>
-            <a:pPr marL="0" lvl="0" indent="0">
-              <a:spcBef>
-                <a:spcPts val="0"/>
-              </a:spcBef>
-              <a:spcAft>
-                <a:spcPts val="0"/>
-              </a:spcAft>
-              <a:buNone/>
-            </a:pPr>
-            <a:endParaRPr/>
-          </a:p>
-        </p:txBody>
-      </p:sp>
-      <p:sp>
-        <p:nvSpPr>
-          <p:cNvPr id="21" name="Shape 21"/>
-          <p:cNvSpPr txBox="1">
-            <a:spLocks noGrp="1"/>
-          </p:cNvSpPr>
-          <p:nvPr>
-            <p:ph type="subTitle" idx="1"/>
-          </p:nvPr>
-        </p:nvSpPr>
-        <p:spPr>
-          <a:xfrm>
-            <a:off x="646550" y="1989500"/>
-            <a:ext cx="3246900" cy="2126400"/>
-          </a:xfrm>
-          <a:prstGeom prst="rect">
-            <a:avLst/>
-          </a:prstGeom>
-        </p:spPr>
-        <p:txBody>
-          <a:bodyPr spcFirstLastPara="1" wrap="square" lIns="91425" tIns="91425" rIns="91425" bIns="91425" anchor="t" anchorCtr="0"/>
-          <a:lstStyle>
-            <a:lvl1pPr lvl="0" rtl="0">
-              <a:spcBef>
-                <a:spcPts val="0"/>
-              </a:spcBef>
-              <a:spcAft>
-                <a:spcPts val="0"/>
-              </a:spcAft>
-              <a:buClr>
-                <a:srgbClr val="FFFFFF"/>
-              </a:buClr>
-              <a:buSzPts val="1400"/>
-              <a:buFont typeface="Georgia"/>
-              <a:buNone/>
-              <a:defRPr i="1">
-                <a:solidFill>
-                  <a:srgbClr val="FFFFFF"/>
-                </a:solidFill>
-                <a:latin typeface="Georgia"/>
-                <a:ea typeface="Georgia"/>
-                <a:cs typeface="Georgia"/>
-                <a:sym typeface="Georgia"/>
-              </a:defRPr>
-            </a:lvl1pPr>
-            <a:lvl2pPr lvl="1" rtl="0">
-              <a:spcBef>
-                <a:spcPts val="0"/>
-              </a:spcBef>
-              <a:spcAft>
-                <a:spcPts val="0"/>
-              </a:spcAft>
-              <a:buClr>
-                <a:srgbClr val="FFFFFF"/>
-              </a:buClr>
-              <a:buSzPts val="3000"/>
-              <a:buFont typeface="Georgia"/>
-              <a:buNone/>
-              <a:defRPr sz="3000" i="1">
-                <a:solidFill>
-                  <a:srgbClr val="FFFFFF"/>
-                </a:solidFill>
-                <a:latin typeface="Georgia"/>
-                <a:ea typeface="Georgia"/>
-                <a:cs typeface="Georgia"/>
-                <a:sym typeface="Georgia"/>
-              </a:defRPr>
-            </a:lvl2pPr>
-            <a:lvl3pPr lvl="2" rtl="0">
-              <a:spcBef>
-                <a:spcPts val="0"/>
-              </a:spcBef>
-              <a:spcAft>
-                <a:spcPts val="0"/>
-              </a:spcAft>
-              <a:buClr>
-                <a:srgbClr val="FFFFFF"/>
-              </a:buClr>
-              <a:buSzPts val="3000"/>
-              <a:buFont typeface="Georgia"/>
-              <a:buNone/>
-              <a:defRPr sz="3000" i="1">
-                <a:solidFill>
-                  <a:srgbClr val="FFFFFF"/>
-                </a:solidFill>
-                <a:latin typeface="Georgia"/>
-                <a:ea typeface="Georgia"/>
-                <a:cs typeface="Georgia"/>
-                <a:sym typeface="Georgia"/>
-              </a:defRPr>
-            </a:lvl3pPr>
-            <a:lvl4pPr lvl="3" rtl="0">
-              <a:spcBef>
-                <a:spcPts val="0"/>
-              </a:spcBef>
-              <a:spcAft>
-                <a:spcPts val="0"/>
-              </a:spcAft>
-              <a:buClr>
-                <a:srgbClr val="FFFFFF"/>
-              </a:buClr>
-              <a:buSzPts val="3000"/>
-              <a:buFont typeface="Georgia"/>
-              <a:buNone/>
-              <a:defRPr sz="3000" i="1">
-                <a:solidFill>
-                  <a:srgbClr val="FFFFFF"/>
-                </a:solidFill>
-                <a:latin typeface="Georgia"/>
-                <a:ea typeface="Georgia"/>
-                <a:cs typeface="Georgia"/>
-                <a:sym typeface="Georgia"/>
-              </a:defRPr>
-            </a:lvl4pPr>
-            <a:lvl5pPr lvl="4" rtl="0">
-              <a:spcBef>
-                <a:spcPts val="0"/>
-              </a:spcBef>
-              <a:spcAft>
-                <a:spcPts val="0"/>
-              </a:spcAft>
-              <a:buClr>
-                <a:srgbClr val="FFFFFF"/>
-              </a:buClr>
-              <a:buSzPts val="3000"/>
-              <a:buFont typeface="Georgia"/>
-              <a:buNone/>
-              <a:defRPr sz="3000" i="1">
-                <a:solidFill>
-                  <a:srgbClr val="FFFFFF"/>
-                </a:solidFill>
-                <a:latin typeface="Georgia"/>
-                <a:ea typeface="Georgia"/>
-                <a:cs typeface="Georgia"/>
-                <a:sym typeface="Georgia"/>
-              </a:defRPr>
-            </a:lvl5pPr>
-            <a:lvl6pPr lvl="5" rtl="0">
-              <a:spcBef>
-                <a:spcPts val="0"/>
-              </a:spcBef>
-              <a:spcAft>
-                <a:spcPts val="0"/>
-              </a:spcAft>
-              <a:buClr>
-                <a:srgbClr val="FFFFFF"/>
-              </a:buClr>
-              <a:buSzPts val="3000"/>
-              <a:buFont typeface="Georgia"/>
-              <a:buNone/>
-              <a:defRPr sz="3000" i="1">
-                <a:solidFill>
-                  <a:srgbClr val="FFFFFF"/>
-                </a:solidFill>
-                <a:latin typeface="Georgia"/>
-                <a:ea typeface="Georgia"/>
-                <a:cs typeface="Georgia"/>
-                <a:sym typeface="Georgia"/>
-              </a:defRPr>
-            </a:lvl6pPr>
-            <a:lvl7pPr lvl="6" rtl="0">
-              <a:spcBef>
-                <a:spcPts val="0"/>
-              </a:spcBef>
-              <a:spcAft>
-                <a:spcPts val="0"/>
-              </a:spcAft>
-              <a:buClr>
-                <a:srgbClr val="FFFFFF"/>
-              </a:buClr>
-              <a:buSzPts val="3000"/>
-              <a:buFont typeface="Georgia"/>
-              <a:buNone/>
-              <a:defRPr sz="3000" i="1">
-                <a:solidFill>
-                  <a:srgbClr val="FFFFFF"/>
-                </a:solidFill>
-                <a:latin typeface="Georgia"/>
-                <a:ea typeface="Georgia"/>
-                <a:cs typeface="Georgia"/>
-                <a:sym typeface="Georgia"/>
-              </a:defRPr>
-            </a:lvl7pPr>
-            <a:lvl8pPr lvl="7" rtl="0">
-              <a:spcBef>
-                <a:spcPts val="0"/>
-              </a:spcBef>
-              <a:spcAft>
-                <a:spcPts val="0"/>
-              </a:spcAft>
-              <a:buClr>
-                <a:srgbClr val="FFFFFF"/>
-              </a:buClr>
-              <a:buSzPts val="3000"/>
-              <a:buFont typeface="Georgia"/>
-              <a:buNone/>
-              <a:defRPr sz="3000" i="1">
-                <a:solidFill>
-                  <a:srgbClr val="FFFFFF"/>
-                </a:solidFill>
-                <a:latin typeface="Georgia"/>
-                <a:ea typeface="Georgia"/>
-                <a:cs typeface="Georgia"/>
-                <a:sym typeface="Georgia"/>
-              </a:defRPr>
-            </a:lvl8pPr>
-            <a:lvl9pPr lvl="8" rtl="0">
-              <a:spcBef>
-                <a:spcPts val="0"/>
-              </a:spcBef>
-              <a:spcAft>
-                <a:spcPts val="0"/>
-              </a:spcAft>
-              <a:buClr>
-                <a:srgbClr val="FFFFFF"/>
-              </a:buClr>
-              <a:buSzPts val="3000"/>
-              <a:buFont typeface="Georgia"/>
-              <a:buNone/>
-              <a:defRPr sz="3000" i="1">
-                <a:solidFill>
-                  <a:srgbClr val="FFFFFF"/>
-                </a:solidFill>
-                <a:latin typeface="Georgia"/>
-                <a:ea typeface="Georgia"/>
-                <a:cs typeface="Georgia"/>
-                <a:sym typeface="Georgia"/>
-              </a:defRPr>
-            </a:lvl9pPr>
-          </a:lstStyle>
-          <a:p>
-            <a:endParaRPr/>
-          </a:p>
-        </p:txBody>
-      </p:sp>
-      <p:sp>
-        <p:nvSpPr>
-          <p:cNvPr id="22" name="Shape 22"/>
-          <p:cNvSpPr txBox="1">
-            <a:spLocks noGrp="1"/>
-          </p:cNvSpPr>
-          <p:nvPr>
-            <p:ph type="sldNum" idx="12"/>
-          </p:nvPr>
-        </p:nvSpPr>
-        <p:spPr>
-          <a:xfrm>
-            <a:off x="8556784" y="4749851"/>
-            <a:ext cx="548700" cy="393600"/>
-          </a:xfrm>
-          <a:prstGeom prst="rect">
-            <a:avLst/>
-          </a:prstGeom>
-        </p:spPr>
-        <p:txBody>
-          <a:bodyPr spcFirstLastPara="1" wrap="square" lIns="91425" tIns="91425" rIns="91425" bIns="91425" anchor="ctr" anchorCtr="0">
-            <a:noAutofit/>
-          </a:bodyPr>
-          <a:lstStyle>
-            <a:lvl1pPr lvl="0" rtl="0">
-              <a:buNone/>
-              <a:defRPr/>
-            </a:lvl1pPr>
-            <a:lvl2pPr lvl="1" rtl="0">
-              <a:buNone/>
-              <a:defRPr/>
-            </a:lvl2pPr>
-            <a:lvl3pPr lvl="2" rtl="0">
-              <a:buNone/>
-              <a:defRPr/>
-            </a:lvl3pPr>
-            <a:lvl4pPr lvl="3" rtl="0">
-              <a:buNone/>
-              <a:defRPr/>
-            </a:lvl4pPr>
-            <a:lvl5pPr lvl="4" rtl="0">
-              <a:buNone/>
-              <a:defRPr/>
-            </a:lvl5pPr>
-            <a:lvl6pPr lvl="5" rtl="0">
-              <a:buNone/>
-              <a:defRPr/>
-            </a:lvl6pPr>
-            <a:lvl7pPr lvl="6" rtl="0">
-              <a:buNone/>
-              <a:defRPr/>
-            </a:lvl7pPr>
-            <a:lvl8pPr lvl="7" rtl="0">
-              <a:buNone/>
-              <a:defRPr/>
-            </a:lvl8pPr>
-            <a:lvl9pPr lvl="8" rtl="0">
-              <a:buNone/>
-              <a:defRPr/>
-            </a:lvl9pPr>
-          </a:lstStyle>
-          <a:p>
-            <a:pPr marL="0" lvl="0" indent="0">
-              <a:spcBef>
-                <a:spcPts val="0"/>
-              </a:spcBef>
-              <a:spcAft>
-                <a:spcPts val="0"/>
-              </a:spcAft>
-              <a:buNone/>
-            </a:pPr>
-            <a:fld id="{00000000-1234-1234-1234-123412341234}" type="slidenum">
-              <a:rPr lang="en"/>
-              <a:t>‹Nr.›</a:t>
-            </a:fld>
-            <a:endParaRPr/>
-          </a:p>
-        </p:txBody>
-      </p:sp>
-      <p:sp>
-        <p:nvSpPr>
-          <p:cNvPr id="23" name="Shape 23"/>
-          <p:cNvSpPr/>
-          <p:nvPr/>
-        </p:nvSpPr>
-        <p:spPr>
-          <a:xfrm flipH="1">
-            <a:off x="4455300" y="0"/>
-            <a:ext cx="113100" cy="5143500"/>
-          </a:xfrm>
-          <a:prstGeom prst="rect">
-            <a:avLst/>
-          </a:prstGeom>
-          <a:gradFill>
-            <a:gsLst>
-              <a:gs pos="0">
-                <a:srgbClr val="000014">
-                  <a:alpha val="20000"/>
-                </a:srgbClr>
-              </a:gs>
-              <a:gs pos="100000">
-                <a:srgbClr val="000014">
-                  <a:alpha val="0"/>
-                </a:srgbClr>
-              </a:gs>
-            </a:gsLst>
-            <a:lin ang="0" scaled="0"/>
-          </a:gradFill>
-          <a:ln>
-            <a:noFill/>
-          </a:ln>
-        </p:spPr>
-        <p:txBody>
-          <a:bodyPr spcFirstLastPara="1" wrap="square" lIns="91425" tIns="45700" rIns="91425" bIns="45700" anchor="ctr" anchorCtr="0">
-            <a:noAutofit/>
-          </a:bodyPr>
-          <a:lstStyle/>
-          <a:p>
-            <a:pPr marL="0" marR="0" lvl="0" indent="0" algn="ctr" rtl="0">
-              <a:spcBef>
-                <a:spcPts val="0"/>
-              </a:spcBef>
-              <a:spcAft>
-                <a:spcPts val="0"/>
-              </a:spcAft>
-              <a:buNone/>
-            </a:pPr>
-            <a:endParaRPr sz="1800">
-              <a:solidFill>
-                <a:srgbClr val="FFFFFF"/>
-              </a:solidFill>
-              <a:latin typeface="Calibri"/>
-              <a:ea typeface="Calibri"/>
-              <a:cs typeface="Calibri"/>
-              <a:sym typeface="Calibri"/>
-            </a:endParaRPr>
-          </a:p>
-        </p:txBody>
-      </p:sp>
-      <p:sp>
-        <p:nvSpPr>
-          <p:cNvPr id="24" name="Shape 24"/>
-          <p:cNvSpPr txBox="1">
-            <a:spLocks noGrp="1"/>
-          </p:cNvSpPr>
-          <p:nvPr>
-            <p:ph type="body" idx="2"/>
-          </p:nvPr>
-        </p:nvSpPr>
-        <p:spPr>
-          <a:xfrm>
-            <a:off x="5130225" y="1016000"/>
-            <a:ext cx="3470700" cy="3099900"/>
-          </a:xfrm>
-          <a:prstGeom prst="rect">
-            <a:avLst/>
-          </a:prstGeom>
-        </p:spPr>
-        <p:txBody>
-          <a:bodyPr spcFirstLastPara="1" wrap="square" lIns="91425" tIns="91425" rIns="91425" bIns="91425" anchor="t" anchorCtr="0"/>
-          <a:lstStyle>
-            <a:lvl1pPr marL="457200" lvl="0" indent="-342900" rtl="0">
-              <a:spcBef>
-                <a:spcPts val="0"/>
-              </a:spcBef>
-              <a:spcAft>
-                <a:spcPts val="0"/>
-              </a:spcAft>
-              <a:buClr>
-                <a:srgbClr val="F67031"/>
-              </a:buClr>
-              <a:buSzPts val="1800"/>
-              <a:buAutoNum type="arabicPeriod"/>
-              <a:defRPr sz="1800"/>
-            </a:lvl1pPr>
-            <a:lvl2pPr marL="914400" lvl="1" indent="-317500" rtl="0">
-              <a:spcBef>
-                <a:spcPts val="1000"/>
-              </a:spcBef>
-              <a:spcAft>
-                <a:spcPts val="0"/>
-              </a:spcAft>
-              <a:buSzPts val="1400"/>
-              <a:buAutoNum type="alphaLcPeriod"/>
-              <a:defRPr>
-                <a:solidFill>
-                  <a:srgbClr val="999999"/>
-                </a:solidFill>
-              </a:defRPr>
-            </a:lvl2pPr>
-            <a:lvl3pPr marL="1371600" lvl="2" indent="-317500" rtl="0">
-              <a:spcBef>
-                <a:spcPts val="1000"/>
-              </a:spcBef>
-              <a:spcAft>
-                <a:spcPts val="0"/>
-              </a:spcAft>
-              <a:buSzPts val="1400"/>
-              <a:buAutoNum type="romanLcPeriod"/>
-              <a:defRPr>
-                <a:solidFill>
-                  <a:srgbClr val="999999"/>
-                </a:solidFill>
-              </a:defRPr>
-            </a:lvl3pPr>
-            <a:lvl4pPr marL="1828800" lvl="3" indent="-317500" rtl="0">
-              <a:spcBef>
-                <a:spcPts val="1000"/>
-              </a:spcBef>
-              <a:spcAft>
-                <a:spcPts val="0"/>
-              </a:spcAft>
-              <a:buSzPts val="1400"/>
-              <a:buAutoNum type="arabicPeriod"/>
-              <a:defRPr>
-                <a:solidFill>
-                  <a:srgbClr val="999999"/>
-                </a:solidFill>
-              </a:defRPr>
-            </a:lvl4pPr>
-            <a:lvl5pPr marL="2286000" lvl="4" indent="-317500" rtl="0">
-              <a:spcBef>
-                <a:spcPts val="1000"/>
-              </a:spcBef>
-              <a:spcAft>
-                <a:spcPts val="0"/>
-              </a:spcAft>
-              <a:buClr>
-                <a:srgbClr val="999999"/>
-              </a:buClr>
-              <a:buSzPts val="1400"/>
-              <a:buAutoNum type="alphaLcPeriod"/>
-              <a:defRPr>
-                <a:solidFill>
-                  <a:srgbClr val="999999"/>
-                </a:solidFill>
-              </a:defRPr>
-            </a:lvl5pPr>
-            <a:lvl6pPr marL="2743200" lvl="5" indent="-317500" rtl="0">
-              <a:spcBef>
-                <a:spcPts val="1000"/>
-              </a:spcBef>
-              <a:spcAft>
-                <a:spcPts val="0"/>
-              </a:spcAft>
-              <a:buClr>
-                <a:srgbClr val="999999"/>
-              </a:buClr>
-              <a:buSzPts val="1400"/>
-              <a:buAutoNum type="romanLcPeriod"/>
-              <a:defRPr>
-                <a:solidFill>
-                  <a:srgbClr val="999999"/>
-                </a:solidFill>
-              </a:defRPr>
-            </a:lvl6pPr>
-            <a:lvl7pPr marL="3200400" lvl="6" indent="-317500" rtl="0">
-              <a:spcBef>
-                <a:spcPts val="1000"/>
-              </a:spcBef>
-              <a:spcAft>
-                <a:spcPts val="0"/>
-              </a:spcAft>
-              <a:buClr>
-                <a:srgbClr val="999999"/>
-              </a:buClr>
-              <a:buSzPts val="1400"/>
-              <a:buAutoNum type="arabicPeriod"/>
-              <a:defRPr>
-                <a:solidFill>
-                  <a:srgbClr val="999999"/>
-                </a:solidFill>
-              </a:defRPr>
-            </a:lvl7pPr>
-            <a:lvl8pPr marL="3657600" lvl="7" indent="-317500" rtl="0">
-              <a:spcBef>
-                <a:spcPts val="1000"/>
-              </a:spcBef>
-              <a:spcAft>
-                <a:spcPts val="0"/>
-              </a:spcAft>
-              <a:buClr>
-                <a:srgbClr val="999999"/>
-              </a:buClr>
-              <a:buSzPts val="1400"/>
-              <a:buAutoNum type="alphaLcPeriod"/>
-              <a:defRPr>
-                <a:solidFill>
-                  <a:srgbClr val="999999"/>
-                </a:solidFill>
-              </a:defRPr>
-            </a:lvl8pPr>
-            <a:lvl9pPr marL="4114800" lvl="8" indent="-317500" rtl="0">
-              <a:spcBef>
-                <a:spcPts val="1000"/>
-              </a:spcBef>
-              <a:spcAft>
-                <a:spcPts val="1000"/>
-              </a:spcAft>
-              <a:buClr>
-                <a:srgbClr val="999999"/>
-              </a:buClr>
-              <a:buSzPts val="1400"/>
-              <a:buAutoNum type="romanLcPeriod"/>
-              <a:defRPr>
-                <a:solidFill>
-                  <a:srgbClr val="999999"/>
-                </a:solidFill>
-              </a:defRPr>
-            </a:lvl9pPr>
-          </a:lstStyle>
-          <a:p>
-            <a:endParaRPr/>
-          </a:p>
-        </p:txBody>
-      </p:sp>
-      <p:sp>
-        <p:nvSpPr>
-          <p:cNvPr id="25" name="Shape 25"/>
-          <p:cNvSpPr txBox="1">
-            <a:spLocks noGrp="1"/>
-          </p:cNvSpPr>
-          <p:nvPr>
-            <p:ph type="title"/>
-          </p:nvPr>
-        </p:nvSpPr>
-        <p:spPr>
-          <a:xfrm>
-            <a:off x="646573" y="1016000"/>
-            <a:ext cx="3246900" cy="973500"/>
-          </a:xfrm>
-          <a:prstGeom prst="rect">
-            <a:avLst/>
-          </a:prstGeom>
-        </p:spPr>
-        <p:txBody>
-          <a:bodyPr spcFirstLastPara="1" wrap="square" lIns="91425" tIns="91425" rIns="91425" bIns="91425" anchor="t" anchorCtr="0"/>
-          <a:lstStyle>
-            <a:lvl1pPr lvl="0" rtl="0">
-              <a:spcBef>
-                <a:spcPts val="0"/>
-              </a:spcBef>
-              <a:spcAft>
-                <a:spcPts val="0"/>
-              </a:spcAft>
-              <a:buSzPts val="2400"/>
-              <a:buNone/>
-              <a:defRPr/>
-            </a:lvl1pPr>
-            <a:lvl2pPr lvl="1" rtl="0">
-              <a:spcBef>
-                <a:spcPts val="0"/>
-              </a:spcBef>
-              <a:spcAft>
-                <a:spcPts val="0"/>
-              </a:spcAft>
-              <a:buSzPts val="2400"/>
-              <a:buNone/>
-              <a:defRPr/>
-            </a:lvl2pPr>
-            <a:lvl3pPr lvl="2" rtl="0">
-              <a:spcBef>
-                <a:spcPts val="0"/>
-              </a:spcBef>
-              <a:spcAft>
-                <a:spcPts val="0"/>
-              </a:spcAft>
-              <a:buSzPts val="2400"/>
-              <a:buNone/>
-              <a:defRPr/>
-            </a:lvl3pPr>
-            <a:lvl4pPr lvl="3" rtl="0">
-              <a:spcBef>
-                <a:spcPts val="0"/>
-              </a:spcBef>
-              <a:spcAft>
-                <a:spcPts val="0"/>
-              </a:spcAft>
-              <a:buSzPts val="2400"/>
-              <a:buNone/>
-              <a:defRPr/>
-            </a:lvl4pPr>
-            <a:lvl5pPr lvl="4" rtl="0">
-              <a:spcBef>
-                <a:spcPts val="0"/>
-              </a:spcBef>
-              <a:spcAft>
-                <a:spcPts val="0"/>
-              </a:spcAft>
-              <a:buSzPts val="2400"/>
-              <a:buNone/>
-              <a:defRPr/>
-            </a:lvl5pPr>
-            <a:lvl6pPr lvl="5" rtl="0">
-              <a:spcBef>
-                <a:spcPts val="0"/>
-              </a:spcBef>
-              <a:spcAft>
-                <a:spcPts val="0"/>
-              </a:spcAft>
-              <a:buSzPts val="2400"/>
-              <a:buNone/>
-              <a:defRPr/>
-            </a:lvl6pPr>
-            <a:lvl7pPr lvl="6" rtl="0">
-              <a:spcBef>
-                <a:spcPts val="0"/>
-              </a:spcBef>
-              <a:spcAft>
-                <a:spcPts val="0"/>
-              </a:spcAft>
-              <a:buSzPts val="2400"/>
-              <a:buNone/>
-              <a:defRPr/>
-            </a:lvl7pPr>
-            <a:lvl8pPr lvl="7" rtl="0">
-              <a:spcBef>
-                <a:spcPts val="0"/>
-              </a:spcBef>
-              <a:spcAft>
-                <a:spcPts val="0"/>
-              </a:spcAft>
-              <a:buSzPts val="2400"/>
-              <a:buNone/>
-              <a:defRPr/>
-            </a:lvl8pPr>
-            <a:lvl9pPr lvl="8" rtl="0">
-              <a:spcBef>
-                <a:spcPts val="0"/>
-              </a:spcBef>
-              <a:spcAft>
-                <a:spcPts val="0"/>
-              </a:spcAft>
-              <a:buSzPts val="2400"/>
-              <a:buNone/>
-              <a:defRPr/>
-            </a:lvl9pPr>
-          </a:lstStyle>
-          <a:p>
-            <a:endParaRPr/>
-          </a:p>
-        </p:txBody>
-      </p:sp>
-    </p:spTree>
-  </p:cSld>
-  <p:clrMapOvr>
-    <a:masterClrMapping/>
-  </p:clrMapOvr>
-</p:sldLayout>
-</file>
-
-<file path=ppt/slideLayouts/slideLayout3.xml><?xml version="1.0" encoding="utf-8"?>
 <p:sldLayout xmlns:a="http://schemas.openxmlformats.org/drawingml/2006/main" xmlns:r="http://schemas.openxmlformats.org/officeDocument/2006/relationships" xmlns:p="http://schemas.openxmlformats.org/presentationml/2006/main" matchingName="Title + 1 column with intro text">
   <p:cSld name="TITLE_AND_BODY_1">
     <p:spTree>
@@ -2891,7 +2263,7 @@
 </p:sldLayout>
 </file>
 
-<file path=ppt/slideLayouts/slideLayout4.xml><?xml version="1.0" encoding="utf-8"?>
+<file path=ppt/slideLayouts/slideLayout3.xml><?xml version="1.0" encoding="utf-8"?>
 <p:sldLayout xmlns:a="http://schemas.openxmlformats.org/drawingml/2006/main" xmlns:r="http://schemas.openxmlformats.org/officeDocument/2006/relationships" xmlns:p="http://schemas.openxmlformats.org/presentationml/2006/main" matchingName="Title + 2 columns" type="twoColTx">
   <p:cSld name="TITLE_AND_TWO_COLUMNS">
     <p:spTree>
@@ -4166,9 +3538,8 @@
   <p:clrMap bg1="lt1" tx1="dk1" bg2="dk2" tx2="lt2" accent1="accent1" accent2="accent2" accent3="accent3" accent4="accent4" accent5="accent5" accent6="accent6" hlink="hlink" folHlink="folHlink"/>
   <p:sldLayoutIdLst>
     <p:sldLayoutId id="2147483648" r:id="rId1"/>
-    <p:sldLayoutId id="2147483650" r:id="rId2"/>
-    <p:sldLayoutId id="2147483653" r:id="rId3"/>
-    <p:sldLayoutId id="2147483657" r:id="rId4"/>
+    <p:sldLayoutId id="2147483653" r:id="rId2"/>
+    <p:sldLayoutId id="2147483657" r:id="rId3"/>
   </p:sldLayoutIdLst>
   <p:transition>
     <p:fade thruBlk="1"/>
@@ -4908,8 +4279,8 @@
         </p:nvSpPr>
         <p:spPr>
           <a:xfrm>
-            <a:off x="269824" y="2387250"/>
-            <a:ext cx="4302176" cy="2259000"/>
+            <a:off x="85883" y="2387250"/>
+            <a:ext cx="4753869" cy="2259000"/>
           </a:xfrm>
           <a:prstGeom prst="rect">
             <a:avLst/>
@@ -4924,7 +4295,14 @@
             <a:pPr lvl="0"/>
             <a:r>
               <a:rPr lang="de-DE" dirty="0"/>
-              <a:t>Schnelleinstieg in die Python Programmierung für Anfänger</a:t>
+              <a:t>Fortgeschrittene</a:t>
+            </a:r>
+            <a:br>
+              <a:rPr lang="de-DE" dirty="0"/>
+            </a:br>
+            <a:r>
+              <a:rPr lang="de-DE" dirty="0"/>
+              <a:t>Python Programmierung</a:t>
             </a:r>
             <a:endParaRPr dirty="0"/>
           </a:p>
@@ -4939,291 +4317,6 @@
 </file>
 
 <file path=ppt/slides/slide2.xml><?xml version="1.0" encoding="utf-8"?>
-<p:sld xmlns:a="http://schemas.openxmlformats.org/drawingml/2006/main" xmlns:r="http://schemas.openxmlformats.org/officeDocument/2006/relationships" xmlns:p="http://schemas.openxmlformats.org/presentationml/2006/main">
-  <p:cSld>
-    <p:spTree>
-      <p:nvGrpSpPr>
-        <p:cNvPr id="1" name="Shape 120"/>
-        <p:cNvGrpSpPr/>
-        <p:nvPr/>
-      </p:nvGrpSpPr>
-      <p:grpSpPr>
-        <a:xfrm>
-          <a:off x="0" y="0"/>
-          <a:ext cx="0" cy="0"/>
-          <a:chOff x="0" y="0"/>
-          <a:chExt cx="0" cy="0"/>
-        </a:xfrm>
-      </p:grpSpPr>
-      <p:sp>
-        <p:nvSpPr>
-          <p:cNvPr id="121" name="Shape 121"/>
-          <p:cNvSpPr txBox="1">
-            <a:spLocks noGrp="1"/>
-          </p:cNvSpPr>
-          <p:nvPr>
-            <p:ph type="title"/>
-          </p:nvPr>
-        </p:nvSpPr>
-        <p:spPr>
-          <a:xfrm>
-            <a:off x="646573" y="1016000"/>
-            <a:ext cx="3246900" cy="973500"/>
-          </a:xfrm>
-          <a:prstGeom prst="rect">
-            <a:avLst/>
-          </a:prstGeom>
-        </p:spPr>
-        <p:txBody>
-          <a:bodyPr spcFirstLastPara="1" wrap="square" lIns="91425" tIns="91425" rIns="91425" bIns="91425" anchor="t" anchorCtr="0">
-            <a:noAutofit/>
-          </a:bodyPr>
-          <a:lstStyle/>
-          <a:p>
-            <a:pPr marL="0" lvl="0" indent="0">
-              <a:spcBef>
-                <a:spcPts val="0"/>
-              </a:spcBef>
-              <a:spcAft>
-                <a:spcPts val="0"/>
-              </a:spcAft>
-              <a:buNone/>
-            </a:pPr>
-            <a:r>
-              <a:rPr lang="de-DE" dirty="0"/>
-              <a:t>Kursgliederung</a:t>
-            </a:r>
-            <a:endParaRPr dirty="0"/>
-          </a:p>
-        </p:txBody>
-      </p:sp>
-      <p:sp>
-        <p:nvSpPr>
-          <p:cNvPr id="122" name="Shape 122"/>
-          <p:cNvSpPr txBox="1">
-            <a:spLocks noGrp="1"/>
-          </p:cNvSpPr>
-          <p:nvPr>
-            <p:ph type="body" idx="2"/>
-          </p:nvPr>
-        </p:nvSpPr>
-        <p:spPr>
-          <a:xfrm>
-            <a:off x="5130224" y="137048"/>
-            <a:ext cx="3819811" cy="3099900"/>
-          </a:xfrm>
-          <a:prstGeom prst="rect">
-            <a:avLst/>
-          </a:prstGeom>
-        </p:spPr>
-        <p:txBody>
-          <a:bodyPr spcFirstLastPara="1" wrap="square" lIns="91425" tIns="91425" rIns="91425" bIns="91425" anchor="t" anchorCtr="0">
-            <a:noAutofit/>
-          </a:bodyPr>
-          <a:lstStyle/>
-          <a:p>
-            <a:r>
-              <a:rPr lang="de-DE" dirty="0"/>
-              <a:t>Python und </a:t>
-            </a:r>
-            <a:r>
-              <a:rPr lang="de-DE" dirty="0" err="1"/>
-              <a:t>Anaconda</a:t>
-            </a:r>
-            <a:r>
-              <a:rPr lang="de-DE" dirty="0"/>
-              <a:t> Installation</a:t>
-            </a:r>
-          </a:p>
-          <a:p>
-            <a:endParaRPr lang="de-DE" sz="1000" dirty="0"/>
-          </a:p>
-          <a:p>
-            <a:r>
-              <a:rPr lang="de-DE" dirty="0"/>
-              <a:t>Erstellen von Python Environments</a:t>
-            </a:r>
-          </a:p>
-          <a:p>
-            <a:endParaRPr lang="de-DE" sz="1000" dirty="0"/>
-          </a:p>
-          <a:p>
-            <a:r>
-              <a:rPr lang="de-DE" dirty="0"/>
-              <a:t>Verwendung der Python Shell</a:t>
-            </a:r>
-          </a:p>
-          <a:p>
-            <a:endParaRPr lang="de-DE" sz="1000" dirty="0"/>
-          </a:p>
-          <a:p>
-            <a:r>
-              <a:rPr lang="de-DE" dirty="0"/>
-              <a:t>Verwendung der IDE: Visual Studio Code</a:t>
-            </a:r>
-          </a:p>
-          <a:p>
-            <a:endParaRPr lang="de-DE" sz="1000" dirty="0"/>
-          </a:p>
-          <a:p>
-            <a:r>
-              <a:rPr lang="de-DE" dirty="0"/>
-              <a:t>Verwendung der IDE: </a:t>
-            </a:r>
-            <a:r>
-              <a:rPr lang="de-DE" dirty="0" err="1"/>
-              <a:t>Jupyter</a:t>
-            </a:r>
-            <a:r>
-              <a:rPr lang="de-DE" dirty="0"/>
-              <a:t> Notebook</a:t>
-            </a:r>
-          </a:p>
-          <a:p>
-            <a:endParaRPr lang="de-DE" sz="1000" dirty="0"/>
-          </a:p>
-          <a:p>
-            <a:r>
-              <a:rPr lang="de-DE" dirty="0"/>
-              <a:t>Die Grundlagen der Python Programmierung</a:t>
-            </a:r>
-          </a:p>
-        </p:txBody>
-      </p:sp>
-      <p:sp>
-        <p:nvSpPr>
-          <p:cNvPr id="123" name="Shape 123"/>
-          <p:cNvSpPr txBox="1">
-            <a:spLocks noGrp="1"/>
-          </p:cNvSpPr>
-          <p:nvPr>
-            <p:ph type="sldNum" idx="12"/>
-          </p:nvPr>
-        </p:nvSpPr>
-        <p:spPr>
-          <a:xfrm>
-            <a:off x="8556784" y="4749851"/>
-            <a:ext cx="548700" cy="393600"/>
-          </a:xfrm>
-          <a:prstGeom prst="rect">
-            <a:avLst/>
-          </a:prstGeom>
-        </p:spPr>
-        <p:txBody>
-          <a:bodyPr spcFirstLastPara="1" wrap="square" lIns="91425" tIns="91425" rIns="91425" bIns="91425" anchor="ctr" anchorCtr="0">
-            <a:noAutofit/>
-          </a:bodyPr>
-          <a:lstStyle/>
-          <a:p>
-            <a:pPr marL="0" lvl="0" indent="0">
-              <a:spcBef>
-                <a:spcPts val="0"/>
-              </a:spcBef>
-              <a:spcAft>
-                <a:spcPts val="0"/>
-              </a:spcAft>
-              <a:buNone/>
-            </a:pPr>
-            <a:fld id="{00000000-1234-1234-1234-123412341234}" type="slidenum">
-              <a:rPr lang="en"/>
-              <a:t>2</a:t>
-            </a:fld>
-            <a:endParaRPr/>
-          </a:p>
-        </p:txBody>
-      </p:sp>
-      <p:sp>
-        <p:nvSpPr>
-          <p:cNvPr id="124" name="Shape 124"/>
-          <p:cNvSpPr txBox="1">
-            <a:spLocks noGrp="1"/>
-          </p:cNvSpPr>
-          <p:nvPr>
-            <p:ph type="subTitle" idx="1"/>
-          </p:nvPr>
-        </p:nvSpPr>
-        <p:spPr>
-          <a:xfrm>
-            <a:off x="646550" y="1684700"/>
-            <a:ext cx="3246900" cy="2126400"/>
-          </a:xfrm>
-          <a:prstGeom prst="rect">
-            <a:avLst/>
-          </a:prstGeom>
-        </p:spPr>
-        <p:txBody>
-          <a:bodyPr spcFirstLastPara="1" wrap="square" lIns="91425" tIns="91425" rIns="91425" bIns="91425" anchor="t" anchorCtr="0">
-            <a:noAutofit/>
-          </a:bodyPr>
-          <a:lstStyle/>
-          <a:p>
-            <a:pPr marL="0" lvl="0" indent="0">
-              <a:spcBef>
-                <a:spcPts val="0"/>
-              </a:spcBef>
-              <a:spcAft>
-                <a:spcPts val="0"/>
-              </a:spcAft>
-              <a:buNone/>
-            </a:pPr>
-            <a:r>
-              <a:rPr lang="de-DE" dirty="0"/>
-              <a:t>Was werden wir lernen?</a:t>
-            </a:r>
-          </a:p>
-          <a:p>
-            <a:pPr marL="0" lvl="0" indent="0">
-              <a:spcBef>
-                <a:spcPts val="0"/>
-              </a:spcBef>
-              <a:spcAft>
-                <a:spcPts val="0"/>
-              </a:spcAft>
-              <a:buNone/>
-            </a:pPr>
-            <a:br>
-              <a:rPr lang="de-DE" dirty="0"/>
-            </a:br>
-            <a:r>
-              <a:rPr lang="de-DE" dirty="0"/>
-              <a:t>Wie ist der Kurs aufgebaut?</a:t>
-            </a:r>
-          </a:p>
-          <a:p>
-            <a:pPr marL="0" lvl="0" indent="0">
-              <a:spcBef>
-                <a:spcPts val="0"/>
-              </a:spcBef>
-              <a:spcAft>
-                <a:spcPts val="0"/>
-              </a:spcAft>
-              <a:buNone/>
-            </a:pPr>
-            <a:endParaRPr lang="de-DE" dirty="0"/>
-          </a:p>
-          <a:p>
-            <a:pPr marL="0" lvl="0" indent="0">
-              <a:spcBef>
-                <a:spcPts val="0"/>
-              </a:spcBef>
-              <a:spcAft>
-                <a:spcPts val="0"/>
-              </a:spcAft>
-              <a:buNone/>
-            </a:pPr>
-            <a:endParaRPr dirty="0"/>
-          </a:p>
-        </p:txBody>
-      </p:sp>
-    </p:spTree>
-  </p:cSld>
-  <p:clrMapOvr>
-    <a:masterClrMapping/>
-  </p:clrMapOvr>
-</p:sld>
-</file>
-
-<file path=ppt/slides/slide3.xml><?xml version="1.0" encoding="utf-8"?>
 <p:sld xmlns:a="http://schemas.openxmlformats.org/drawingml/2006/main" xmlns:r="http://schemas.openxmlformats.org/officeDocument/2006/relationships" xmlns:p="http://schemas.openxmlformats.org/presentationml/2006/main">
   <p:cSld>
     <p:spTree>
@@ -5310,7 +4403,7 @@
             </a:pPr>
             <a:fld id="{00000000-1234-1234-1234-123412341234}" type="slidenum">
               <a:rPr lang="en"/>
-              <a:t>3</a:t>
+              <a:t>2</a:t>
             </a:fld>
             <a:endParaRPr/>
           </a:p>
@@ -5348,8 +4441,74 @@
           <a:p>
             <a:r>
               <a:rPr lang="de-DE" dirty="0"/>
-              <a:t>Programmier-Erfahrung nicht benötigt, aber von Vorteil</a:t>
+              <a:t>Programmier-Erfahrung in Python:</a:t>
             </a:r>
+          </a:p>
+          <a:p>
+            <a:pPr lvl="1">
+              <a:buFont typeface="Arial" panose="020B0604020202020204" pitchFamily="34" charset="0"/>
+              <a:buChar char="•"/>
+            </a:pPr>
+            <a:r>
+              <a:rPr lang="de-DE" i="0" dirty="0"/>
+              <a:t>Variablen erstellen und verwenden</a:t>
+            </a:r>
+          </a:p>
+          <a:p>
+            <a:pPr lvl="1">
+              <a:buFont typeface="Arial" panose="020B0604020202020204" pitchFamily="34" charset="0"/>
+              <a:buChar char="•"/>
+            </a:pPr>
+            <a:endParaRPr lang="de-DE" i="0" dirty="0"/>
+          </a:p>
+          <a:p>
+            <a:pPr lvl="1">
+              <a:buFont typeface="Arial" panose="020B0604020202020204" pitchFamily="34" charset="0"/>
+              <a:buChar char="•"/>
+            </a:pPr>
+            <a:r>
+              <a:rPr lang="de-DE" i="0" dirty="0" err="1"/>
+              <a:t>If</a:t>
+            </a:r>
+            <a:r>
+              <a:rPr lang="de-DE" i="0" dirty="0"/>
+              <a:t>-Abfragen, Schleifen und logische Ausdrücke</a:t>
+            </a:r>
+          </a:p>
+          <a:p>
+            <a:pPr lvl="1">
+              <a:buFont typeface="Arial" panose="020B0604020202020204" pitchFamily="34" charset="0"/>
+              <a:buChar char="•"/>
+            </a:pPr>
+            <a:endParaRPr lang="de-DE" i="0" dirty="0"/>
+          </a:p>
+          <a:p>
+            <a:pPr lvl="1">
+              <a:buFont typeface="Arial" panose="020B0604020202020204" pitchFamily="34" charset="0"/>
+              <a:buChar char="•"/>
+            </a:pPr>
+            <a:r>
+              <a:rPr lang="de-DE" i="0" dirty="0"/>
+              <a:t>Eigene Funktionen und Klassen implementieren</a:t>
+            </a:r>
+          </a:p>
+          <a:p>
+            <a:pPr lvl="1">
+              <a:buFont typeface="Arial" panose="020B0604020202020204" pitchFamily="34" charset="0"/>
+              <a:buChar char="•"/>
+            </a:pPr>
+            <a:endParaRPr lang="de-DE" i="0" dirty="0"/>
+          </a:p>
+          <a:p>
+            <a:pPr lvl="1">
+              <a:buFont typeface="Arial" panose="020B0604020202020204" pitchFamily="34" charset="0"/>
+              <a:buChar char="•"/>
+            </a:pPr>
+            <a:r>
+              <a:rPr lang="de-DE" i="0" dirty="0"/>
+              <a:t>Das Importieren aus externen Paketen</a:t>
+            </a:r>
+            <a:endParaRPr lang="de-DE" dirty="0"/>
           </a:p>
         </p:txBody>
       </p:sp>
@@ -5357,6 +4516,149 @@
     <p:extLst>
       <p:ext uri="{BB962C8B-B14F-4D97-AF65-F5344CB8AC3E}">
         <p14:creationId xmlns:p14="http://schemas.microsoft.com/office/powerpoint/2010/main" val="1707327199"/>
+      </p:ext>
+    </p:extLst>
+  </p:cSld>
+  <p:clrMapOvr>
+    <a:masterClrMapping/>
+  </p:clrMapOvr>
+</p:sld>
+</file>
+
+<file path=ppt/slides/slide3.xml><?xml version="1.0" encoding="utf-8"?>
+<p:sld xmlns:a="http://schemas.openxmlformats.org/drawingml/2006/main" xmlns:r="http://schemas.openxmlformats.org/officeDocument/2006/relationships" xmlns:p="http://schemas.openxmlformats.org/presentationml/2006/main">
+  <p:cSld>
+    <p:spTree>
+      <p:nvGrpSpPr>
+        <p:cNvPr id="1" name="Shape 112"/>
+        <p:cNvGrpSpPr/>
+        <p:nvPr/>
+      </p:nvGrpSpPr>
+      <p:grpSpPr>
+        <a:xfrm>
+          <a:off x="0" y="0"/>
+          <a:ext cx="0" cy="0"/>
+          <a:chOff x="0" y="0"/>
+          <a:chExt cx="0" cy="0"/>
+        </a:xfrm>
+      </p:grpSpPr>
+      <p:sp>
+        <p:nvSpPr>
+          <p:cNvPr id="113" name="Shape 113"/>
+          <p:cNvSpPr txBox="1">
+            <a:spLocks noGrp="1"/>
+          </p:cNvSpPr>
+          <p:nvPr>
+            <p:ph type="title"/>
+          </p:nvPr>
+        </p:nvSpPr>
+        <p:spPr>
+          <a:xfrm>
+            <a:off x="234450" y="575500"/>
+            <a:ext cx="2046300" cy="3981000"/>
+          </a:xfrm>
+          <a:prstGeom prst="rect">
+            <a:avLst/>
+          </a:prstGeom>
+        </p:spPr>
+        <p:txBody>
+          <a:bodyPr spcFirstLastPara="1" wrap="square" lIns="91425" tIns="91425" rIns="91425" bIns="91425" anchor="t" anchorCtr="0">
+            <a:noAutofit/>
+          </a:bodyPr>
+          <a:lstStyle/>
+          <a:p>
+            <a:pPr lvl="0"/>
+            <a:r>
+              <a:rPr lang="de-DE" dirty="0"/>
+              <a:t>Was wirst du</a:t>
+            </a:r>
+            <a:br>
+              <a:rPr lang="de-DE" dirty="0"/>
+            </a:br>
+            <a:r>
+              <a:rPr lang="de-DE" dirty="0"/>
+              <a:t>lernen?</a:t>
+            </a:r>
+            <a:endParaRPr dirty="0"/>
+          </a:p>
+        </p:txBody>
+      </p:sp>
+      <p:sp>
+        <p:nvSpPr>
+          <p:cNvPr id="115" name="Shape 115"/>
+          <p:cNvSpPr txBox="1">
+            <a:spLocks noGrp="1"/>
+          </p:cNvSpPr>
+          <p:nvPr>
+            <p:ph type="sldNum" idx="12"/>
+          </p:nvPr>
+        </p:nvSpPr>
+        <p:spPr>
+          <a:xfrm>
+            <a:off x="8556784" y="4749851"/>
+            <a:ext cx="548700" cy="393600"/>
+          </a:xfrm>
+          <a:prstGeom prst="rect">
+            <a:avLst/>
+          </a:prstGeom>
+        </p:spPr>
+        <p:txBody>
+          <a:bodyPr spcFirstLastPara="1" wrap="square" lIns="91425" tIns="91425" rIns="91425" bIns="91425" anchor="ctr" anchorCtr="0">
+            <a:noAutofit/>
+          </a:bodyPr>
+          <a:lstStyle/>
+          <a:p>
+            <a:pPr marL="0" lvl="0" indent="0">
+              <a:spcBef>
+                <a:spcPts val="0"/>
+              </a:spcBef>
+              <a:spcAft>
+                <a:spcPts val="0"/>
+              </a:spcAft>
+              <a:buNone/>
+            </a:pPr>
+            <a:fld id="{00000000-1234-1234-1234-123412341234}" type="slidenum">
+              <a:rPr lang="en"/>
+              <a:t>3</a:t>
+            </a:fld>
+            <a:endParaRPr/>
+          </a:p>
+        </p:txBody>
+      </p:sp>
+      <p:pic>
+        <p:nvPicPr>
+          <p:cNvPr id="5" name="Grafik 4">
+            <a:extLst>
+              <a:ext uri="{FF2B5EF4-FFF2-40B4-BE49-F238E27FC236}">
+                <a16:creationId xmlns:a16="http://schemas.microsoft.com/office/drawing/2014/main" id="{44BE7811-E2D7-40F7-8AEA-23CBF995517A}"/>
+              </a:ext>
+            </a:extLst>
+          </p:cNvPr>
+          <p:cNvPicPr>
+            <a:picLocks noChangeAspect="1"/>
+          </p:cNvPicPr>
+          <p:nvPr/>
+        </p:nvPicPr>
+        <p:blipFill>
+          <a:blip r:embed="rId3"/>
+          <a:stretch>
+            <a:fillRect/>
+          </a:stretch>
+        </p:blipFill>
+        <p:spPr>
+          <a:xfrm>
+            <a:off x="2842461" y="1172534"/>
+            <a:ext cx="6104514" cy="2798431"/>
+          </a:xfrm>
+          <a:prstGeom prst="rect">
+            <a:avLst/>
+          </a:prstGeom>
+        </p:spPr>
+      </p:pic>
+    </p:spTree>
+    <p:extLst>
+      <p:ext uri="{BB962C8B-B14F-4D97-AF65-F5344CB8AC3E}">
+        <p14:creationId xmlns:p14="http://schemas.microsoft.com/office/powerpoint/2010/main" val="3612567671"/>
       </p:ext>
     </p:extLst>
   </p:cSld>
@@ -5408,6 +4710,142 @@
           </a:bodyPr>
           <a:lstStyle/>
           <a:p>
+            <a:pPr lvl="0"/>
+            <a:r>
+              <a:rPr lang="de-DE" dirty="0"/>
+              <a:t>Kursaufbau</a:t>
+            </a:r>
+            <a:endParaRPr dirty="0"/>
+          </a:p>
+        </p:txBody>
+      </p:sp>
+      <p:sp>
+        <p:nvSpPr>
+          <p:cNvPr id="115" name="Shape 115"/>
+          <p:cNvSpPr txBox="1">
+            <a:spLocks noGrp="1"/>
+          </p:cNvSpPr>
+          <p:nvPr>
+            <p:ph type="sldNum" idx="12"/>
+          </p:nvPr>
+        </p:nvSpPr>
+        <p:spPr>
+          <a:xfrm>
+            <a:off x="8556784" y="4749851"/>
+            <a:ext cx="548700" cy="393600"/>
+          </a:xfrm>
+          <a:prstGeom prst="rect">
+            <a:avLst/>
+          </a:prstGeom>
+        </p:spPr>
+        <p:txBody>
+          <a:bodyPr spcFirstLastPara="1" wrap="square" lIns="91425" tIns="91425" rIns="91425" bIns="91425" anchor="ctr" anchorCtr="0">
+            <a:noAutofit/>
+          </a:bodyPr>
+          <a:lstStyle/>
+          <a:p>
+            <a:pPr marL="0" lvl="0" indent="0">
+              <a:spcBef>
+                <a:spcPts val="0"/>
+              </a:spcBef>
+              <a:spcAft>
+                <a:spcPts val="0"/>
+              </a:spcAft>
+              <a:buNone/>
+            </a:pPr>
+            <a:fld id="{00000000-1234-1234-1234-123412341234}" type="slidenum">
+              <a:rPr lang="en"/>
+              <a:t>4</a:t>
+            </a:fld>
+            <a:endParaRPr/>
+          </a:p>
+        </p:txBody>
+      </p:sp>
+      <p:pic>
+        <p:nvPicPr>
+          <p:cNvPr id="2" name="Grafik 1">
+            <a:extLst>
+              <a:ext uri="{FF2B5EF4-FFF2-40B4-BE49-F238E27FC236}">
+                <a16:creationId xmlns:a16="http://schemas.microsoft.com/office/drawing/2014/main" id="{4120782B-DFB0-4E05-9315-FBBC3A626310}"/>
+              </a:ext>
+            </a:extLst>
+          </p:cNvPr>
+          <p:cNvPicPr>
+            <a:picLocks noChangeAspect="1"/>
+          </p:cNvPicPr>
+          <p:nvPr/>
+        </p:nvPicPr>
+        <p:blipFill>
+          <a:blip r:embed="rId3"/>
+          <a:stretch>
+            <a:fillRect/>
+          </a:stretch>
+        </p:blipFill>
+        <p:spPr>
+          <a:xfrm>
+            <a:off x="3679208" y="287960"/>
+            <a:ext cx="3870439" cy="4709034"/>
+          </a:xfrm>
+          <a:prstGeom prst="rect">
+            <a:avLst/>
+          </a:prstGeom>
+        </p:spPr>
+      </p:pic>
+    </p:spTree>
+    <p:extLst>
+      <p:ext uri="{BB962C8B-B14F-4D97-AF65-F5344CB8AC3E}">
+        <p14:creationId xmlns:p14="http://schemas.microsoft.com/office/powerpoint/2010/main" val="982671109"/>
+      </p:ext>
+    </p:extLst>
+  </p:cSld>
+  <p:clrMapOvr>
+    <a:masterClrMapping/>
+  </p:clrMapOvr>
+</p:sld>
+</file>
+
+<file path=ppt/slides/slide5.xml><?xml version="1.0" encoding="utf-8"?>
+<p:sld xmlns:a="http://schemas.openxmlformats.org/drawingml/2006/main" xmlns:r="http://schemas.openxmlformats.org/officeDocument/2006/relationships" xmlns:p="http://schemas.openxmlformats.org/presentationml/2006/main">
+  <p:cSld>
+    <p:spTree>
+      <p:nvGrpSpPr>
+        <p:cNvPr id="1" name="Shape 112"/>
+        <p:cNvGrpSpPr/>
+        <p:nvPr/>
+      </p:nvGrpSpPr>
+      <p:grpSpPr>
+        <a:xfrm>
+          <a:off x="0" y="0"/>
+          <a:ext cx="0" cy="0"/>
+          <a:chOff x="0" y="0"/>
+          <a:chExt cx="0" cy="0"/>
+        </a:xfrm>
+      </p:grpSpPr>
+      <p:sp>
+        <p:nvSpPr>
+          <p:cNvPr id="113" name="Shape 113"/>
+          <p:cNvSpPr txBox="1">
+            <a:spLocks noGrp="1"/>
+          </p:cNvSpPr>
+          <p:nvPr>
+            <p:ph type="title"/>
+          </p:nvPr>
+        </p:nvSpPr>
+        <p:spPr>
+          <a:xfrm>
+            <a:off x="234450" y="575500"/>
+            <a:ext cx="2046300" cy="3981000"/>
+          </a:xfrm>
+          <a:prstGeom prst="rect">
+            <a:avLst/>
+          </a:prstGeom>
+        </p:spPr>
+        <p:txBody>
+          <a:bodyPr spcFirstLastPara="1" wrap="square" lIns="91425" tIns="91425" rIns="91425" bIns="91425" anchor="t" anchorCtr="0">
+            <a:noAutofit/>
+          </a:bodyPr>
+          <a:lstStyle/>
+          <a:p>
             <a:pPr marL="0" lvl="0" indent="0">
               <a:spcBef>
                 <a:spcPts val="0"/>
@@ -5461,7 +4899,7 @@
             </a:pPr>
             <a:fld id="{00000000-1234-1234-1234-123412341234}" type="slidenum">
               <a:rPr lang="en"/>
-              <a:t>4</a:t>
+              <a:t>5</a:t>
             </a:fld>
             <a:endParaRPr/>
           </a:p>
@@ -5490,16 +4928,7 @@
           <a:p>
             <a:r>
               <a:rPr lang="de-DE" dirty="0"/>
-              <a:t>Python-Anfänger</a:t>
-            </a:r>
-          </a:p>
-          <a:p>
-            <a:endParaRPr lang="de-DE" dirty="0"/>
-          </a:p>
-          <a:p>
-            <a:r>
-              <a:rPr lang="de-DE" dirty="0"/>
-              <a:t>Programmier-Anfänger</a:t>
+              <a:t>Python Entwickler</a:t>
             </a:r>
           </a:p>
           <a:p>
